--- a/Project_CT275_PhanThaiHien-TrieuThanhLoc.pptx
+++ b/Project_CT275_PhanThaiHien-TrieuThanhLoc.pptx
@@ -4886,7 +4886,15 @@
           <a:p>
             <a:r>
               <a:rPr lang="en-US" altLang="en-US" smtClean="0"/>
-              <a:t>Dự án…Gồm các chức năng:</a:t>
+              <a:t>Dự </a:t>
+            </a:r>
+            <a:r>
+              <a:rPr lang="en-US" altLang="en-US" smtClean="0"/>
+              <a:t>án giúp hỗ trợ sinh viên ghi chú các môn học của mình. Gồm </a:t>
+            </a:r>
+            <a:r>
+              <a:rPr lang="en-US" altLang="en-US" smtClean="0"/>
+              <a:t>các chức năng:</a:t>
             </a:r>
             <a:endParaRPr lang="en-US" altLang="en-US"/>
           </a:p>
@@ -5048,7 +5056,19 @@
             </a:pPr>
             <a:r>
               <a:rPr lang="en-US" smtClean="0"/>
-              <a:t> Lấy dữ liệu, làm các chức năng thêm, sửa, xóa.</a:t>
+              <a:t> </a:t>
+            </a:r>
+            <a:r>
+              <a:rPr lang="en-US" smtClean="0"/>
+              <a:t>Tạo</a:t>
+            </a:r>
+            <a:r>
+              <a:rPr lang="en-US" smtClean="0"/>
+              <a:t> </a:t>
+            </a:r>
+            <a:r>
+              <a:rPr lang="en-US" smtClean="0"/>
+              <a:t>dữ liệu, làm các chức năng thêm, sửa, xóa.</a:t>
             </a:r>
           </a:p>
           <a:p>
@@ -5159,7 +5179,7 @@
           <p:nvPr>
             <p:extLst>
               <p:ext uri="{D42A27DB-BD31-4B8C-83A1-F6EECF244321}">
-                <p14:modId xmlns:p14="http://schemas.microsoft.com/office/powerpoint/2010/main" val="231980440"/>
+                <p14:modId xmlns:p14="http://schemas.microsoft.com/office/powerpoint/2010/main" val="2410268555"/>
               </p:ext>
             </p:extLst>
           </p:nvPr>
@@ -5372,6 +5392,10 @@
                     <a:lstStyle/>
                     <a:p>
                       <a:pPr algn="ctr"/>
+                      <a:r>
+                        <a:rPr lang="en-US" sz="2400" smtClean="0"/>
+                        <a:t>X</a:t>
+                      </a:r>
                       <a:endParaRPr lang="en-US" sz="2400"/>
                     </a:p>
                   </a:txBody>

--- a/Project_CT275_PhanThaiHien-TrieuThanhLoc.pptx
+++ b/Project_CT275_PhanThaiHien-TrieuThanhLoc.pptx
@@ -20,8 +20,8 @@
     <p:sldId id="275" r:id="rId14"/>
     <p:sldId id="276" r:id="rId15"/>
     <p:sldId id="277" r:id="rId16"/>
-    <p:sldId id="278" r:id="rId17"/>
-    <p:sldId id="279" r:id="rId18"/>
+    <p:sldId id="279" r:id="rId17"/>
+    <p:sldId id="278" r:id="rId18"/>
     <p:sldId id="274" r:id="rId19"/>
     <p:sldId id="262" r:id="rId20"/>
   </p:sldIdLst>
@@ -3765,6 +3765,9 @@
             <a:endParaRPr lang="en-US" altLang="en-US" smtClean="0"/>
           </a:p>
           <a:p>
+            <a:endParaRPr lang="en-US" altLang="en-US" smtClean="0"/>
+          </a:p>
+          <a:p>
             <a:pPr algn="l"/>
             <a:r>
               <a:rPr lang="en-US" altLang="en-US" sz="2400" b="1" smtClean="0"/>
@@ -3774,26 +3777,34 @@
           <a:p>
             <a:pPr algn="l"/>
             <a:r>
-              <a:rPr lang="en-US" altLang="en-US" sz="2000" smtClean="0"/>
+              <a:rPr lang="en-US" altLang="en-US" sz="2000" i="1" smtClean="0"/>
+              <a:t>	</a:t>
+            </a:r>
+            <a:r>
+              <a:rPr lang="en-US" altLang="en-US" sz="1800" i="1" smtClean="0"/>
               <a:t>Phan Thái Hiền   B1900241</a:t>
             </a:r>
-            <a:endParaRPr lang="vi-VN" altLang="en-US" sz="2000" smtClean="0"/>
+            <a:endParaRPr lang="vi-VN" altLang="en-US" sz="1800" i="1" smtClean="0"/>
           </a:p>
           <a:p>
             <a:pPr algn="l"/>
             <a:r>
-              <a:rPr lang="vi-VN" sz="2000"/>
-              <a:t>Triệu Thành Lộc </a:t>
-            </a:r>
-            <a:r>
-              <a:rPr lang="vi-VN" sz="2000" smtClean="0"/>
-              <a:t> B1909943</a:t>
-            </a:r>
-            <a:endParaRPr lang="vi-VN" sz="2000"/>
-          </a:p>
-          <a:p>
-            <a:pPr algn="l"/>
-            <a:endParaRPr lang="en-US" altLang="en-US" sz="2000"/>
+              <a:rPr lang="vi-VN" sz="1800" i="1" smtClean="0"/>
+              <a:t>	Triệu </a:t>
+            </a:r>
+            <a:r>
+              <a:rPr lang="vi-VN" sz="1800" i="1"/>
+              <a:t>Thành Lộc </a:t>
+            </a:r>
+            <a:r>
+              <a:rPr lang="vi-VN" sz="1800" i="1" smtClean="0"/>
+              <a:t> </a:t>
+            </a:r>
+            <a:r>
+              <a:rPr lang="vi-VN" sz="1800" i="1" smtClean="0"/>
+              <a:t>B1909943</a:t>
+            </a:r>
+            <a:endParaRPr lang="vi-VN" sz="1800" i="1" smtClean="0"/>
           </a:p>
         </p:txBody>
       </p:sp>
@@ -3871,6 +3882,13 @@
   <p:clrMapOvr>
     <a:masterClrMapping/>
   </p:clrMapOvr>
+  <p:timing>
+    <p:tnLst>
+      <p:par>
+        <p:cTn id="1" dur="indefinite" restart="never" nodeType="tmRoot"/>
+      </p:par>
+    </p:tnLst>
+  </p:timing>
 </p:sld>
 </file>
 
@@ -3982,6 +4000,13 @@
   <p:clrMapOvr>
     <a:masterClrMapping/>
   </p:clrMapOvr>
+  <p:timing>
+    <p:tnLst>
+      <p:par>
+        <p:cTn id="1" dur="indefinite" restart="never" nodeType="tmRoot"/>
+      </p:par>
+    </p:tnLst>
+  </p:timing>
 </p:sld>
 </file>
 
@@ -4050,6 +4075,30 @@
           </a:p>
         </p:txBody>
       </p:sp>
+      <p:pic>
+        <p:nvPicPr>
+          <p:cNvPr id="4" name="Picture 3"/>
+          <p:cNvPicPr>
+            <a:picLocks noChangeAspect="1"/>
+          </p:cNvPicPr>
+          <p:nvPr/>
+        </p:nvPicPr>
+        <p:blipFill>
+          <a:blip r:embed="rId2"/>
+          <a:stretch>
+            <a:fillRect/>
+          </a:stretch>
+        </p:blipFill>
+        <p:spPr>
+          <a:xfrm>
+            <a:off x="1015143" y="2362200"/>
+            <a:ext cx="7418514" cy="3601070"/>
+          </a:xfrm>
+          <a:prstGeom prst="rect">
+            <a:avLst/>
+          </a:prstGeom>
+        </p:spPr>
+      </p:pic>
     </p:spTree>
     <p:extLst>
       <p:ext uri="{BB962C8B-B14F-4D97-AF65-F5344CB8AC3E}">
@@ -4060,6 +4109,13 @@
   <p:clrMapOvr>
     <a:masterClrMapping/>
   </p:clrMapOvr>
+  <p:timing>
+    <p:tnLst>
+      <p:par>
+        <p:cTn id="1" dur="indefinite" restart="never" nodeType="tmRoot"/>
+      </p:par>
+    </p:tnLst>
+  </p:timing>
 </p:sld>
 </file>
 
@@ -4130,13 +4186,7 @@
       </p:sp>
       <p:pic>
         <p:nvPicPr>
-          <p:cNvPr id="4" name="Hình ảnh 4">
-            <a:extLst>
-              <a:ext uri="{FF2B5EF4-FFF2-40B4-BE49-F238E27FC236}">
-                <a16:creationId xmlns:a16="http://schemas.microsoft.com/office/drawing/2014/main" id="{7471A3D0-9962-4265-AA50-51179FFB13E9}"/>
-              </a:ext>
-            </a:extLst>
-          </p:cNvPr>
+          <p:cNvPr id="5" name="Picture 4"/>
           <p:cNvPicPr>
             <a:picLocks noChangeAspect="1"/>
           </p:cNvPicPr>
@@ -4150,8 +4200,8 @@
         </p:blipFill>
         <p:spPr>
           <a:xfrm>
-            <a:off x="1219200" y="2209800"/>
-            <a:ext cx="6743700" cy="4220099"/>
+            <a:off x="936655" y="2362200"/>
+            <a:ext cx="7575490" cy="3677269"/>
           </a:xfrm>
           <a:prstGeom prst="rect">
             <a:avLst/>
@@ -4336,6 +4386,30 @@
           </a:p>
         </p:txBody>
       </p:sp>
+      <p:pic>
+        <p:nvPicPr>
+          <p:cNvPr id="4" name="Picture 3"/>
+          <p:cNvPicPr>
+            <a:picLocks noChangeAspect="1"/>
+          </p:cNvPicPr>
+          <p:nvPr/>
+        </p:nvPicPr>
+        <p:blipFill>
+          <a:blip r:embed="rId2"/>
+          <a:stretch>
+            <a:fillRect/>
+          </a:stretch>
+        </p:blipFill>
+        <p:spPr>
+          <a:xfrm>
+            <a:off x="837561" y="2530884"/>
+            <a:ext cx="7773677" cy="3793716"/>
+          </a:xfrm>
+          <a:prstGeom prst="rect">
+            <a:avLst/>
+          </a:prstGeom>
+        </p:spPr>
+      </p:pic>
     </p:spTree>
     <p:extLst>
       <p:ext uri="{BB962C8B-B14F-4D97-AF65-F5344CB8AC3E}">
@@ -4414,13 +4488,7 @@
       </p:sp>
       <p:pic>
         <p:nvPicPr>
-          <p:cNvPr id="4" name="Hình ảnh 4">
-            <a:extLst>
-              <a:ext uri="{FF2B5EF4-FFF2-40B4-BE49-F238E27FC236}">
-                <a16:creationId xmlns:a16="http://schemas.microsoft.com/office/drawing/2014/main" id="{7E490A25-4CCA-4F89-8E66-084898F13B09}"/>
-              </a:ext>
-            </a:extLst>
-          </p:cNvPr>
+          <p:cNvPr id="6" name="Picture 5"/>
           <p:cNvPicPr>
             <a:picLocks noChangeAspect="1"/>
           </p:cNvPicPr>
@@ -4434,8 +4502,8 @@
         </p:blipFill>
         <p:spPr>
           <a:xfrm>
-            <a:off x="1727200" y="2362200"/>
-            <a:ext cx="5957159" cy="3911444"/>
+            <a:off x="1028061" y="2438400"/>
+            <a:ext cx="7392677" cy="3584678"/>
           </a:xfrm>
           <a:prstGeom prst="rect">
             <a:avLst/>
@@ -4512,82 +4580,6 @@
           <a:p>
             <a:r>
               <a:rPr lang="en-US" smtClean="0"/>
-              <a:t>Trang sửa ghi chú:</a:t>
-            </a:r>
-            <a:endParaRPr lang="vi-VN"/>
-          </a:p>
-        </p:txBody>
-      </p:sp>
-    </p:spTree>
-    <p:extLst>
-      <p:ext uri="{BB962C8B-B14F-4D97-AF65-F5344CB8AC3E}">
-        <p14:creationId xmlns:p14="http://schemas.microsoft.com/office/powerpoint/2010/main" val="3956327741"/>
-      </p:ext>
-    </p:extLst>
-  </p:cSld>
-  <p:clrMapOvr>
-    <a:masterClrMapping/>
-  </p:clrMapOvr>
-</p:sld>
-</file>
-
-<file path=ppt/slides/slide17.xml><?xml version="1.0" encoding="utf-8"?>
-<p:sld xmlns:a="http://schemas.openxmlformats.org/drawingml/2006/main" xmlns:r="http://schemas.openxmlformats.org/officeDocument/2006/relationships" xmlns:p="http://schemas.openxmlformats.org/presentationml/2006/main">
-  <p:cSld>
-    <p:spTree>
-      <p:nvGrpSpPr>
-        <p:cNvPr id="1" name=""/>
-        <p:cNvGrpSpPr/>
-        <p:nvPr/>
-      </p:nvGrpSpPr>
-      <p:grpSpPr>
-        <a:xfrm>
-          <a:off x="0" y="0"/>
-          <a:ext cx="0" cy="0"/>
-          <a:chOff x="0" y="0"/>
-          <a:chExt cx="0" cy="0"/>
-        </a:xfrm>
-      </p:grpSpPr>
-      <p:sp>
-        <p:nvSpPr>
-          <p:cNvPr id="2" name="Title 1"/>
-          <p:cNvSpPr>
-            <a:spLocks noGrp="1"/>
-          </p:cNvSpPr>
-          <p:nvPr>
-            <p:ph type="title"/>
-          </p:nvPr>
-        </p:nvSpPr>
-        <p:spPr/>
-        <p:txBody>
-          <a:bodyPr/>
-          <a:lstStyle/>
-          <a:p>
-            <a:r>
-              <a:rPr lang="en-US"/>
-              <a:t>Kết quả thực hiện</a:t>
-            </a:r>
-            <a:endParaRPr lang="vi-VN"/>
-          </a:p>
-        </p:txBody>
-      </p:sp>
-      <p:sp>
-        <p:nvSpPr>
-          <p:cNvPr id="3" name="Content Placeholder 2"/>
-          <p:cNvSpPr>
-            <a:spLocks noGrp="1"/>
-          </p:cNvSpPr>
-          <p:nvPr>
-            <p:ph idx="1"/>
-          </p:nvPr>
-        </p:nvSpPr>
-        <p:spPr/>
-        <p:txBody>
-          <a:bodyPr/>
-          <a:lstStyle/>
-          <a:p>
-            <a:r>
-              <a:rPr lang="en-US" smtClean="0"/>
               <a:t>Trang thêm ghi chú:</a:t>
             </a:r>
           </a:p>
@@ -4624,6 +4616,106 @@
     <p:extLst>
       <p:ext uri="{BB962C8B-B14F-4D97-AF65-F5344CB8AC3E}">
         <p14:creationId xmlns:p14="http://schemas.microsoft.com/office/powerpoint/2010/main" val="1363029821"/>
+      </p:ext>
+    </p:extLst>
+  </p:cSld>
+  <p:clrMapOvr>
+    <a:masterClrMapping/>
+  </p:clrMapOvr>
+</p:sld>
+</file>
+
+<file path=ppt/slides/slide17.xml><?xml version="1.0" encoding="utf-8"?>
+<p:sld xmlns:a="http://schemas.openxmlformats.org/drawingml/2006/main" xmlns:r="http://schemas.openxmlformats.org/officeDocument/2006/relationships" xmlns:p="http://schemas.openxmlformats.org/presentationml/2006/main">
+  <p:cSld>
+    <p:spTree>
+      <p:nvGrpSpPr>
+        <p:cNvPr id="1" name=""/>
+        <p:cNvGrpSpPr/>
+        <p:nvPr/>
+      </p:nvGrpSpPr>
+      <p:grpSpPr>
+        <a:xfrm>
+          <a:off x="0" y="0"/>
+          <a:ext cx="0" cy="0"/>
+          <a:chOff x="0" y="0"/>
+          <a:chExt cx="0" cy="0"/>
+        </a:xfrm>
+      </p:grpSpPr>
+      <p:sp>
+        <p:nvSpPr>
+          <p:cNvPr id="2" name="Title 1"/>
+          <p:cNvSpPr>
+            <a:spLocks noGrp="1"/>
+          </p:cNvSpPr>
+          <p:nvPr>
+            <p:ph type="title"/>
+          </p:nvPr>
+        </p:nvSpPr>
+        <p:spPr/>
+        <p:txBody>
+          <a:bodyPr/>
+          <a:lstStyle/>
+          <a:p>
+            <a:r>
+              <a:rPr lang="en-US"/>
+              <a:t>Kết quả thực hiện</a:t>
+            </a:r>
+            <a:endParaRPr lang="vi-VN"/>
+          </a:p>
+        </p:txBody>
+      </p:sp>
+      <p:sp>
+        <p:nvSpPr>
+          <p:cNvPr id="3" name="Content Placeholder 2"/>
+          <p:cNvSpPr>
+            <a:spLocks noGrp="1"/>
+          </p:cNvSpPr>
+          <p:nvPr>
+            <p:ph idx="1"/>
+          </p:nvPr>
+        </p:nvSpPr>
+        <p:spPr/>
+        <p:txBody>
+          <a:bodyPr/>
+          <a:lstStyle/>
+          <a:p>
+            <a:r>
+              <a:rPr lang="en-US" smtClean="0"/>
+              <a:t>Trang sửa ghi chú:</a:t>
+            </a:r>
+            <a:endParaRPr lang="vi-VN"/>
+          </a:p>
+        </p:txBody>
+      </p:sp>
+      <p:pic>
+        <p:nvPicPr>
+          <p:cNvPr id="4" name="Picture 3"/>
+          <p:cNvPicPr>
+            <a:picLocks noChangeAspect="1"/>
+          </p:cNvPicPr>
+          <p:nvPr/>
+        </p:nvPicPr>
+        <p:blipFill>
+          <a:blip r:embed="rId2"/>
+          <a:stretch>
+            <a:fillRect/>
+          </a:stretch>
+        </p:blipFill>
+        <p:spPr>
+          <a:xfrm>
+            <a:off x="990600" y="2438400"/>
+            <a:ext cx="7467600" cy="3632676"/>
+          </a:xfrm>
+          <a:prstGeom prst="rect">
+            <a:avLst/>
+          </a:prstGeom>
+        </p:spPr>
+      </p:pic>
+    </p:spTree>
+    <p:extLst>
+      <p:ext uri="{BB962C8B-B14F-4D97-AF65-F5344CB8AC3E}">
+        <p14:creationId xmlns:p14="http://schemas.microsoft.com/office/powerpoint/2010/main" val="3956327741"/>
       </p:ext>
     </p:extLst>
   </p:cSld>
@@ -4886,15 +4978,7 @@
           <a:p>
             <a:r>
               <a:rPr lang="en-US" altLang="en-US" smtClean="0"/>
-              <a:t>Dự </a:t>
-            </a:r>
-            <a:r>
-              <a:rPr lang="en-US" altLang="en-US" smtClean="0"/>
-              <a:t>án giúp hỗ trợ sinh viên ghi chú các môn học của mình. Gồm </a:t>
-            </a:r>
-            <a:r>
-              <a:rPr lang="en-US" altLang="en-US" smtClean="0"/>
-              <a:t>các chức năng:</a:t>
+              <a:t>Dự án giúp hỗ trợ sinh viên ghi chú các môn học của mình. Gồm các chức năng:</a:t>
             </a:r>
             <a:endParaRPr lang="en-US" altLang="en-US"/>
           </a:p>
@@ -4986,6 +5070,13 @@
   <p:clrMapOvr>
     <a:masterClrMapping/>
   </p:clrMapOvr>
+  <p:timing>
+    <p:tnLst>
+      <p:par>
+        <p:cTn id="1" dur="indefinite" restart="never" nodeType="tmRoot"/>
+      </p:par>
+    </p:tnLst>
+  </p:timing>
 </p:sld>
 </file>
 
@@ -5056,19 +5147,7 @@
             </a:pPr>
             <a:r>
               <a:rPr lang="en-US" smtClean="0"/>
-              <a:t> </a:t>
-            </a:r>
-            <a:r>
-              <a:rPr lang="en-US" smtClean="0"/>
-              <a:t>Tạo</a:t>
-            </a:r>
-            <a:r>
-              <a:rPr lang="en-US" smtClean="0"/>
-              <a:t> </a:t>
-            </a:r>
-            <a:r>
-              <a:rPr lang="en-US" smtClean="0"/>
-              <a:t>dữ liệu, làm các chức năng thêm, sửa, xóa.</a:t>
+              <a:t> Tạo dữ liệu, làm các chức năng.</a:t>
             </a:r>
           </a:p>
           <a:p>
@@ -5096,8 +5175,13 @@
             </a:r>
             <a:r>
               <a:rPr lang="vi-VN"/>
-              <a:t>Chỉnh sửa giao diện</a:t>
-            </a:r>
+              <a:t>Chỉnh sửa giao </a:t>
+            </a:r>
+            <a:r>
+              <a:rPr lang="vi-VN" smtClean="0"/>
+              <a:t>diện.</a:t>
+            </a:r>
+            <a:endParaRPr lang="vi-VN"/>
           </a:p>
           <a:p>
             <a:pPr marL="457200" lvl="1" indent="0">
@@ -5179,7 +5263,7 @@
           <p:nvPr>
             <p:extLst>
               <p:ext uri="{D42A27DB-BD31-4B8C-83A1-F6EECF244321}">
-                <p14:modId xmlns:p14="http://schemas.microsoft.com/office/powerpoint/2010/main" val="2410268555"/>
+                <p14:modId xmlns:p14="http://schemas.microsoft.com/office/powerpoint/2010/main" val="3298221982"/>
               </p:ext>
             </p:extLst>
           </p:nvPr>
@@ -5396,6 +5480,10 @@
                         <a:rPr lang="en-US" sz="2400" smtClean="0"/>
                         <a:t>X</a:t>
                       </a:r>
+                      <a:r>
+                        <a:rPr lang="vi-VN" sz="2400" smtClean="0"/>
+                        <a:t> </a:t>
+                      </a:r>
                       <a:endParaRPr lang="en-US" sz="2400"/>
                     </a:p>
                   </a:txBody>
@@ -5456,6 +5544,13 @@
   <p:clrMapOvr>
     <a:masterClrMapping/>
   </p:clrMapOvr>
+  <p:timing>
+    <p:tnLst>
+      <p:par>
+        <p:cTn id="1" dur="indefinite" restart="never" nodeType="tmRoot"/>
+      </p:par>
+    </p:tnLst>
+  </p:timing>
 </p:sld>
 </file>
 
@@ -5499,32 +5594,6 @@
           </a:p>
         </p:txBody>
       </p:sp>
-      <p:pic>
-        <p:nvPicPr>
-          <p:cNvPr id="4" name="Content Placeholder 3"/>
-          <p:cNvPicPr>
-            <a:picLocks noGrp="1" noChangeAspect="1"/>
-          </p:cNvPicPr>
-          <p:nvPr>
-            <p:ph idx="1"/>
-          </p:nvPr>
-        </p:nvPicPr>
-        <p:blipFill>
-          <a:blip r:embed="rId2"/>
-          <a:stretch>
-            <a:fillRect/>
-          </a:stretch>
-        </p:blipFill>
-        <p:spPr>
-          <a:xfrm>
-            <a:off x="1747982" y="2362200"/>
-            <a:ext cx="5936768" cy="4069021"/>
-          </a:xfrm>
-          <a:prstGeom prst="rect">
-            <a:avLst/>
-          </a:prstGeom>
-        </p:spPr>
-      </p:pic>
       <p:sp>
         <p:nvSpPr>
           <p:cNvPr id="5" name="Content Placeholder 2"/>
@@ -5535,7 +5604,7 @@
         </p:nvSpPr>
         <p:spPr bwMode="auto">
           <a:xfrm>
-            <a:off x="609600" y="1633538"/>
+            <a:off x="644236" y="1524000"/>
             <a:ext cx="8229600" cy="4691062"/>
           </a:xfrm>
           <a:prstGeom prst="rect">
@@ -5751,6 +5820,32 @@
           </a:p>
         </p:txBody>
       </p:sp>
+      <p:pic>
+        <p:nvPicPr>
+          <p:cNvPr id="6" name="Content Placeholder 5"/>
+          <p:cNvPicPr>
+            <a:picLocks noGrp="1" noChangeAspect="1"/>
+          </p:cNvPicPr>
+          <p:nvPr>
+            <p:ph idx="1"/>
+          </p:nvPr>
+        </p:nvPicPr>
+        <p:blipFill>
+          <a:blip r:embed="rId2"/>
+          <a:stretch>
+            <a:fillRect/>
+          </a:stretch>
+        </p:blipFill>
+        <p:spPr>
+          <a:xfrm>
+            <a:off x="2284226" y="1633537"/>
+            <a:ext cx="4766392" cy="4581525"/>
+          </a:xfrm>
+          <a:prstGeom prst="rect">
+            <a:avLst/>
+          </a:prstGeom>
+        </p:spPr>
+      </p:pic>
     </p:spTree>
     <p:extLst>
       <p:ext uri="{BB962C8B-B14F-4D97-AF65-F5344CB8AC3E}">
@@ -5761,6 +5856,13 @@
   <p:clrMapOvr>
     <a:masterClrMapping/>
   </p:clrMapOvr>
+  <p:timing>
+    <p:tnLst>
+      <p:par>
+        <p:cTn id="1" dur="indefinite" restart="never" nodeType="tmRoot"/>
+      </p:par>
+    </p:tnLst>
+  </p:timing>
 </p:sld>
 </file>
 
@@ -5845,8 +5947,8 @@
         </p:blipFill>
         <p:spPr>
           <a:xfrm>
-            <a:off x="1540304" y="2322371"/>
-            <a:ext cx="6368192" cy="1642843"/>
+            <a:off x="751642" y="2895600"/>
+            <a:ext cx="7945516" cy="2049755"/>
           </a:xfrm>
           <a:prstGeom prst="rect">
             <a:avLst/>
@@ -5863,6 +5965,13 @@
   <p:clrMapOvr>
     <a:masterClrMapping/>
   </p:clrMapOvr>
+  <p:timing>
+    <p:tnLst>
+      <p:par>
+        <p:cTn id="1" dur="indefinite" restart="never" nodeType="tmRoot"/>
+      </p:par>
+    </p:tnLst>
+  </p:timing>
 </p:sld>
 </file>
 
@@ -5947,8 +6056,8 @@
         </p:blipFill>
         <p:spPr>
           <a:xfrm>
-            <a:off x="1447800" y="2209800"/>
-            <a:ext cx="6244009" cy="1954743"/>
+            <a:off x="762000" y="2797969"/>
+            <a:ext cx="7545543" cy="2362200"/>
           </a:xfrm>
           <a:prstGeom prst="rect">
             <a:avLst/>
@@ -5965,6 +6074,13 @@
   <p:clrMapOvr>
     <a:masterClrMapping/>
   </p:clrMapOvr>
+  <p:timing>
+    <p:tnLst>
+      <p:par>
+        <p:cTn id="1" dur="indefinite" restart="never" nodeType="tmRoot"/>
+      </p:par>
+    </p:tnLst>
+  </p:timing>
 </p:sld>
 </file>
 
@@ -6049,8 +6165,8 @@
         </p:blipFill>
         <p:spPr>
           <a:xfrm>
-            <a:off x="1292651" y="2133600"/>
-            <a:ext cx="6863497" cy="1701899"/>
+            <a:off x="234719" y="2743200"/>
+            <a:ext cx="8604481" cy="2133600"/>
           </a:xfrm>
           <a:prstGeom prst="rect">
             <a:avLst/>
@@ -6067,6 +6183,13 @@
   <p:clrMapOvr>
     <a:masterClrMapping/>
   </p:clrMapOvr>
+  <p:timing>
+    <p:tnLst>
+      <p:par>
+        <p:cTn id="1" dur="indefinite" restart="never" nodeType="tmRoot"/>
+      </p:par>
+    </p:tnLst>
+  </p:timing>
 </p:sld>
 </file>
 
@@ -6179,6 +6302,13 @@
   <p:clrMapOvr>
     <a:masterClrMapping/>
   </p:clrMapOvr>
+  <p:timing>
+    <p:tnLst>
+      <p:par>
+        <p:cTn id="1" dur="indefinite" restart="never" nodeType="tmRoot"/>
+      </p:par>
+    </p:tnLst>
+  </p:timing>
 </p:sld>
 </file>
 

--- a/Project_CT275_PhanThaiHien-TrieuThanhLoc.pptx
+++ b/Project_CT275_PhanThaiHien-TrieuThanhLoc.pptx
@@ -3798,13 +3798,8 @@
             </a:r>
             <a:r>
               <a:rPr lang="vi-VN" sz="1800" i="1" smtClean="0"/>
-              <a:t> </a:t>
-            </a:r>
-            <a:r>
-              <a:rPr lang="vi-VN" sz="1800" i="1" smtClean="0"/>
-              <a:t>B1909943</a:t>
-            </a:r>
-            <a:endParaRPr lang="vi-VN" sz="1800" i="1" smtClean="0"/>
+              <a:t> B1909943</a:t>
+            </a:r>
           </a:p>
         </p:txBody>
       </p:sp>
@@ -4077,7 +4072,7 @@
       </p:sp>
       <p:pic>
         <p:nvPicPr>
-          <p:cNvPr id="4" name="Picture 3"/>
+          <p:cNvPr id="5" name="Picture 4"/>
           <p:cNvPicPr>
             <a:picLocks noChangeAspect="1"/>
           </p:cNvPicPr>
@@ -4091,8 +4086,8 @@
         </p:blipFill>
         <p:spPr>
           <a:xfrm>
-            <a:off x="1015143" y="2362200"/>
-            <a:ext cx="7418514" cy="3601070"/>
+            <a:off x="937498" y="2362200"/>
+            <a:ext cx="7573804" cy="3672506"/>
           </a:xfrm>
           <a:prstGeom prst="rect">
             <a:avLst/>

--- a/Project_CT275_PhanThaiHien-TrieuThanhLoc.pptx
+++ b/Project_CT275_PhanThaiHien-TrieuThanhLoc.pptx
@@ -4685,7 +4685,7 @@
       </p:sp>
       <p:pic>
         <p:nvPicPr>
-          <p:cNvPr id="4" name="Picture 3"/>
+          <p:cNvPr id="5" name="Picture 4"/>
           <p:cNvPicPr>
             <a:picLocks noChangeAspect="1"/>
           </p:cNvPicPr>
@@ -4699,8 +4699,8 @@
         </p:blipFill>
         <p:spPr>
           <a:xfrm>
-            <a:off x="990600" y="2438400"/>
-            <a:ext cx="7467600" cy="3632676"/>
+            <a:off x="838200" y="2188369"/>
+            <a:ext cx="7370084" cy="3581400"/>
           </a:xfrm>
           <a:prstGeom prst="rect">
             <a:avLst/>
